--- a/Presentation1.pptx
+++ b/Presentation1.pptx
@@ -1404,7 +1404,7 @@
         <p:spPr>
           <a:xfrm>
             <a:off x="0" y="-152280"/>
-            <a:ext cx="9371880" cy="7162200"/>
+            <a:ext cx="9371520" cy="7161840"/>
           </a:xfrm>
           <a:prstGeom prst="rect">
             <a:avLst/>
@@ -1423,7 +1423,7 @@
         <p:spPr>
           <a:xfrm>
             <a:off x="304920" y="609480"/>
-            <a:ext cx="8228880" cy="1980360"/>
+            <a:ext cx="8228520" cy="1980000"/>
           </a:xfrm>
           <a:prstGeom prst="rect">
             <a:avLst/>
@@ -1478,7 +1478,7 @@
         <p:spPr>
           <a:xfrm>
             <a:off x="457200" y="2712960"/>
-            <a:ext cx="8228880" cy="3610800"/>
+            <a:ext cx="8228520" cy="3610440"/>
           </a:xfrm>
           <a:prstGeom prst="rect">
             <a:avLst/>
@@ -1659,6 +1659,23 @@
                 <a:latin typeface="monofur for Powerline"/>
               </a:rPr>
               <a:t>password: “password”</a:t>
+            </a:r>
+            <a:endParaRPr/>
+          </a:p>
+          <a:p>
+            <a:pPr>
+              <a:lnSpc>
+                <a:spcPct val="100000"/>
+              </a:lnSpc>
+            </a:pPr>
+            <a:r>
+              <a:rPr lang="en-US" sz="3200">
+                <a:solidFill>
+                  <a:srgbClr val="008000"/>
+                </a:solidFill>
+                <a:latin typeface="monofur for Powerline"/>
+              </a:rPr>
+              <a:t>Run: “. ./setup”</a:t>
             </a:r>
             <a:endParaRPr/>
           </a:p>
@@ -1753,7 +1770,7 @@
         <p:spPr>
           <a:xfrm>
             <a:off x="0" y="-152280"/>
-            <a:ext cx="9371880" cy="7162200"/>
+            <a:ext cx="9371520" cy="7161840"/>
           </a:xfrm>
           <a:prstGeom prst="rect">
             <a:avLst/>
@@ -1772,7 +1789,7 @@
         <p:spPr>
           <a:xfrm>
             <a:off x="304920" y="609480"/>
-            <a:ext cx="8228880" cy="1065960"/>
+            <a:ext cx="8228520" cy="1065600"/>
           </a:xfrm>
           <a:prstGeom prst="rect">
             <a:avLst/>
@@ -1812,7 +1829,7 @@
         <p:spPr>
           <a:xfrm>
             <a:off x="457200" y="1828800"/>
-            <a:ext cx="8228880" cy="4494960"/>
+            <a:ext cx="8228520" cy="4494600"/>
           </a:xfrm>
           <a:prstGeom prst="rect">
             <a:avLst/>
@@ -2142,7 +2159,7 @@
         <p:spPr>
           <a:xfrm>
             <a:off x="0" y="-152280"/>
-            <a:ext cx="9371880" cy="7162200"/>
+            <a:ext cx="9371520" cy="7161840"/>
           </a:xfrm>
           <a:prstGeom prst="rect">
             <a:avLst/>
@@ -2161,7 +2178,7 @@
         <p:spPr>
           <a:xfrm>
             <a:off x="304920" y="609480"/>
-            <a:ext cx="8228880" cy="1523160"/>
+            <a:ext cx="8228520" cy="1522800"/>
           </a:xfrm>
           <a:prstGeom prst="rect">
             <a:avLst/>
@@ -2204,7 +2221,7 @@
         <p:spPr>
           <a:xfrm>
             <a:off x="457200" y="2712960"/>
-            <a:ext cx="8228880" cy="3610800"/>
+            <a:ext cx="8228520" cy="3610440"/>
           </a:xfrm>
           <a:prstGeom prst="rect">
             <a:avLst/>
@@ -2367,7 +2384,7 @@
         <p:spPr>
           <a:xfrm>
             <a:off x="0" y="-152280"/>
-            <a:ext cx="9371880" cy="7162200"/>
+            <a:ext cx="9371520" cy="7161840"/>
           </a:xfrm>
           <a:prstGeom prst="rect">
             <a:avLst/>
@@ -2386,7 +2403,7 @@
         <p:spPr>
           <a:xfrm>
             <a:off x="304920" y="609480"/>
-            <a:ext cx="8228880" cy="1447200"/>
+            <a:ext cx="8228520" cy="1446840"/>
           </a:xfrm>
           <a:prstGeom prst="rect">
             <a:avLst/>
@@ -2429,7 +2446,7 @@
         <p:spPr>
           <a:xfrm>
             <a:off x="457200" y="2438280"/>
-            <a:ext cx="8228880" cy="3885480"/>
+            <a:ext cx="8228520" cy="3885120"/>
           </a:xfrm>
           <a:prstGeom prst="rect">
             <a:avLst/>
@@ -2592,7 +2609,7 @@
         <p:spPr>
           <a:xfrm>
             <a:off x="0" y="-152280"/>
-            <a:ext cx="9371880" cy="7162200"/>
+            <a:ext cx="9371520" cy="7161840"/>
           </a:xfrm>
           <a:prstGeom prst="rect">
             <a:avLst/>
@@ -2611,7 +2628,7 @@
         <p:spPr>
           <a:xfrm>
             <a:off x="228600" y="609480"/>
-            <a:ext cx="8686080" cy="1447200"/>
+            <a:ext cx="8685720" cy="1446840"/>
           </a:xfrm>
           <a:prstGeom prst="rect">
             <a:avLst/>
@@ -2654,7 +2671,7 @@
         <p:spPr>
           <a:xfrm>
             <a:off x="304920" y="2438280"/>
-            <a:ext cx="8457480" cy="3885480"/>
+            <a:ext cx="8457120" cy="3885120"/>
           </a:xfrm>
           <a:prstGeom prst="rect">
             <a:avLst/>
